--- a/Project 3  PPT 2 14-22.pptx
+++ b/Project 3  PPT 2 14-22.pptx
@@ -5,42 +5,43 @@
     <p:sldMasterId id="2147483746" r:id="rId1"/>
   </p:sldMasterIdLst>
   <p:notesMasterIdLst>
-    <p:notesMasterId r:id="rId35"/>
+    <p:notesMasterId r:id="rId36"/>
   </p:notesMasterIdLst>
   <p:sldIdLst>
     <p:sldId id="257" r:id="rId2"/>
     <p:sldId id="291" r:id="rId3"/>
     <p:sldId id="273" r:id="rId4"/>
-    <p:sldId id="299" r:id="rId5"/>
-    <p:sldId id="300" r:id="rId6"/>
-    <p:sldId id="301" r:id="rId7"/>
-    <p:sldId id="302" r:id="rId8"/>
-    <p:sldId id="303" r:id="rId9"/>
-    <p:sldId id="305" r:id="rId10"/>
-    <p:sldId id="306" r:id="rId11"/>
-    <p:sldId id="275" r:id="rId12"/>
-    <p:sldId id="276" r:id="rId13"/>
-    <p:sldId id="277" r:id="rId14"/>
-    <p:sldId id="278" r:id="rId15"/>
-    <p:sldId id="280" r:id="rId16"/>
-    <p:sldId id="281" r:id="rId17"/>
-    <p:sldId id="282" r:id="rId18"/>
-    <p:sldId id="292" r:id="rId19"/>
-    <p:sldId id="293" r:id="rId20"/>
-    <p:sldId id="284" r:id="rId21"/>
-    <p:sldId id="285" r:id="rId22"/>
-    <p:sldId id="286" r:id="rId23"/>
-    <p:sldId id="287" r:id="rId24"/>
-    <p:sldId id="294" r:id="rId25"/>
-    <p:sldId id="288" r:id="rId26"/>
-    <p:sldId id="290" r:id="rId27"/>
-    <p:sldId id="295" r:id="rId28"/>
-    <p:sldId id="296" r:id="rId29"/>
-    <p:sldId id="297" r:id="rId30"/>
-    <p:sldId id="298" r:id="rId31"/>
-    <p:sldId id="271" r:id="rId32"/>
-    <p:sldId id="266" r:id="rId33"/>
-    <p:sldId id="265" r:id="rId34"/>
+    <p:sldId id="307" r:id="rId5"/>
+    <p:sldId id="299" r:id="rId6"/>
+    <p:sldId id="300" r:id="rId7"/>
+    <p:sldId id="301" r:id="rId8"/>
+    <p:sldId id="302" r:id="rId9"/>
+    <p:sldId id="303" r:id="rId10"/>
+    <p:sldId id="305" r:id="rId11"/>
+    <p:sldId id="306" r:id="rId12"/>
+    <p:sldId id="275" r:id="rId13"/>
+    <p:sldId id="276" r:id="rId14"/>
+    <p:sldId id="277" r:id="rId15"/>
+    <p:sldId id="278" r:id="rId16"/>
+    <p:sldId id="280" r:id="rId17"/>
+    <p:sldId id="281" r:id="rId18"/>
+    <p:sldId id="282" r:id="rId19"/>
+    <p:sldId id="292" r:id="rId20"/>
+    <p:sldId id="293" r:id="rId21"/>
+    <p:sldId id="284" r:id="rId22"/>
+    <p:sldId id="285" r:id="rId23"/>
+    <p:sldId id="286" r:id="rId24"/>
+    <p:sldId id="287" r:id="rId25"/>
+    <p:sldId id="294" r:id="rId26"/>
+    <p:sldId id="288" r:id="rId27"/>
+    <p:sldId id="290" r:id="rId28"/>
+    <p:sldId id="295" r:id="rId29"/>
+    <p:sldId id="296" r:id="rId30"/>
+    <p:sldId id="297" r:id="rId31"/>
+    <p:sldId id="298" r:id="rId32"/>
+    <p:sldId id="271" r:id="rId33"/>
+    <p:sldId id="266" r:id="rId34"/>
+    <p:sldId id="265" r:id="rId35"/>
   </p:sldIdLst>
   <p:sldSz cx="12192000" cy="6858000"/>
   <p:notesSz cx="7102475" cy="9388475"/>
@@ -229,7 +230,7 @@
           <a:p>
             <a:fld id="{E3C1F798-A260-44B6-A789-F46EAF43BE33}" type="datetimeFigureOut">
               <a:rPr lang="en-US" smtClean="0"/>
-              <a:t>2/14/2022</a:t>
+              <a:t>2/15/2022</a:t>
             </a:fld>
             <a:endParaRPr lang="en-US"/>
           </a:p>
@@ -645,7 +646,7 @@
           <a:p>
             <a:fld id="{1DA8FDC0-278E-409A-9842-98A7FBBA717A}" type="slidenum">
               <a:rPr lang="en-US" smtClean="0"/>
-              <a:t>10</a:t>
+              <a:t>11</a:t>
             </a:fld>
             <a:endParaRPr lang="en-US"/>
           </a:p>
@@ -729,7 +730,7 @@
           <a:p>
             <a:fld id="{1DA8FDC0-278E-409A-9842-98A7FBBA717A}" type="slidenum">
               <a:rPr lang="en-US" smtClean="0"/>
-              <a:t>11</a:t>
+              <a:t>12</a:t>
             </a:fld>
             <a:endParaRPr lang="en-US"/>
           </a:p>
@@ -813,7 +814,7 @@
           <a:p>
             <a:fld id="{1DA8FDC0-278E-409A-9842-98A7FBBA717A}" type="slidenum">
               <a:rPr lang="en-US" smtClean="0"/>
-              <a:t>12</a:t>
+              <a:t>13</a:t>
             </a:fld>
             <a:endParaRPr lang="en-US"/>
           </a:p>
@@ -897,7 +898,7 @@
           <a:p>
             <a:fld id="{1DA8FDC0-278E-409A-9842-98A7FBBA717A}" type="slidenum">
               <a:rPr lang="en-US" smtClean="0"/>
-              <a:t>13</a:t>
+              <a:t>14</a:t>
             </a:fld>
             <a:endParaRPr lang="en-US"/>
           </a:p>
@@ -981,7 +982,7 @@
           <a:p>
             <a:fld id="{1DA8FDC0-278E-409A-9842-98A7FBBA717A}" type="slidenum">
               <a:rPr lang="en-US" smtClean="0"/>
-              <a:t>14</a:t>
+              <a:t>15</a:t>
             </a:fld>
             <a:endParaRPr lang="en-US"/>
           </a:p>
@@ -1065,7 +1066,7 @@
           <a:p>
             <a:fld id="{1DA8FDC0-278E-409A-9842-98A7FBBA717A}" type="slidenum">
               <a:rPr lang="en-US" smtClean="0"/>
-              <a:t>15</a:t>
+              <a:t>16</a:t>
             </a:fld>
             <a:endParaRPr lang="en-US"/>
           </a:p>
@@ -1149,7 +1150,7 @@
           <a:p>
             <a:fld id="{1DA8FDC0-278E-409A-9842-98A7FBBA717A}" type="slidenum">
               <a:rPr lang="en-US" smtClean="0"/>
-              <a:t>16</a:t>
+              <a:t>17</a:t>
             </a:fld>
             <a:endParaRPr lang="en-US"/>
           </a:p>
@@ -1233,7 +1234,7 @@
           <a:p>
             <a:fld id="{1DA8FDC0-278E-409A-9842-98A7FBBA717A}" type="slidenum">
               <a:rPr lang="en-US" smtClean="0"/>
-              <a:t>17</a:t>
+              <a:t>18</a:t>
             </a:fld>
             <a:endParaRPr lang="en-US"/>
           </a:p>
@@ -1317,7 +1318,7 @@
           <a:p>
             <a:fld id="{1DA8FDC0-278E-409A-9842-98A7FBBA717A}" type="slidenum">
               <a:rPr lang="en-US" smtClean="0"/>
-              <a:t>18</a:t>
+              <a:t>19</a:t>
             </a:fld>
             <a:endParaRPr lang="en-US"/>
           </a:p>
@@ -1401,7 +1402,7 @@
           <a:p>
             <a:fld id="{1DA8FDC0-278E-409A-9842-98A7FBBA717A}" type="slidenum">
               <a:rPr lang="en-US" smtClean="0"/>
-              <a:t>19</a:t>
+              <a:t>20</a:t>
             </a:fld>
             <a:endParaRPr lang="en-US"/>
           </a:p>
@@ -1569,7 +1570,7 @@
           <a:p>
             <a:fld id="{1DA8FDC0-278E-409A-9842-98A7FBBA717A}" type="slidenum">
               <a:rPr lang="en-US" smtClean="0"/>
-              <a:t>20</a:t>
+              <a:t>21</a:t>
             </a:fld>
             <a:endParaRPr lang="en-US"/>
           </a:p>
@@ -1653,7 +1654,7 @@
           <a:p>
             <a:fld id="{1DA8FDC0-278E-409A-9842-98A7FBBA717A}" type="slidenum">
               <a:rPr lang="en-US" smtClean="0"/>
-              <a:t>21</a:t>
+              <a:t>22</a:t>
             </a:fld>
             <a:endParaRPr lang="en-US"/>
           </a:p>
@@ -1737,7 +1738,7 @@
           <a:p>
             <a:fld id="{1DA8FDC0-278E-409A-9842-98A7FBBA717A}" type="slidenum">
               <a:rPr lang="en-US" smtClean="0"/>
-              <a:t>22</a:t>
+              <a:t>23</a:t>
             </a:fld>
             <a:endParaRPr lang="en-US"/>
           </a:p>
@@ -1821,7 +1822,7 @@
           <a:p>
             <a:fld id="{1DA8FDC0-278E-409A-9842-98A7FBBA717A}" type="slidenum">
               <a:rPr lang="en-US" smtClean="0"/>
-              <a:t>23</a:t>
+              <a:t>24</a:t>
             </a:fld>
             <a:endParaRPr lang="en-US"/>
           </a:p>
@@ -1905,7 +1906,7 @@
           <a:p>
             <a:fld id="{1DA8FDC0-278E-409A-9842-98A7FBBA717A}" type="slidenum">
               <a:rPr lang="en-US" smtClean="0"/>
-              <a:t>24</a:t>
+              <a:t>25</a:t>
             </a:fld>
             <a:endParaRPr lang="en-US"/>
           </a:p>
@@ -1989,7 +1990,7 @@
           <a:p>
             <a:fld id="{1DA8FDC0-278E-409A-9842-98A7FBBA717A}" type="slidenum">
               <a:rPr lang="en-US" smtClean="0"/>
-              <a:t>25</a:t>
+              <a:t>26</a:t>
             </a:fld>
             <a:endParaRPr lang="en-US"/>
           </a:p>
@@ -2073,7 +2074,7 @@
           <a:p>
             <a:fld id="{1DA8FDC0-278E-409A-9842-98A7FBBA717A}" type="slidenum">
               <a:rPr lang="en-US" smtClean="0"/>
-              <a:t>26</a:t>
+              <a:t>27</a:t>
             </a:fld>
             <a:endParaRPr lang="en-US"/>
           </a:p>
@@ -2157,7 +2158,7 @@
           <a:p>
             <a:fld id="{1DA8FDC0-278E-409A-9842-98A7FBBA717A}" type="slidenum">
               <a:rPr lang="en-US" smtClean="0"/>
-              <a:t>27</a:t>
+              <a:t>28</a:t>
             </a:fld>
             <a:endParaRPr lang="en-US"/>
           </a:p>
@@ -2241,7 +2242,7 @@
           <a:p>
             <a:fld id="{1DA8FDC0-278E-409A-9842-98A7FBBA717A}" type="slidenum">
               <a:rPr lang="en-US" smtClean="0"/>
-              <a:t>28</a:t>
+              <a:t>29</a:t>
             </a:fld>
             <a:endParaRPr lang="en-US"/>
           </a:p>
@@ -2325,7 +2326,7 @@
           <a:p>
             <a:fld id="{1DA8FDC0-278E-409A-9842-98A7FBBA717A}" type="slidenum">
               <a:rPr lang="en-US" smtClean="0"/>
-              <a:t>29</a:t>
+              <a:t>30</a:t>
             </a:fld>
             <a:endParaRPr lang="en-US"/>
           </a:p>
@@ -2493,7 +2494,7 @@
           <a:p>
             <a:fld id="{1DA8FDC0-278E-409A-9842-98A7FBBA717A}" type="slidenum">
               <a:rPr lang="en-US" smtClean="0"/>
-              <a:t>30</a:t>
+              <a:t>31</a:t>
             </a:fld>
             <a:endParaRPr lang="en-US"/>
           </a:p>
@@ -2577,7 +2578,7 @@
           <a:p>
             <a:fld id="{1DA8FDC0-278E-409A-9842-98A7FBBA717A}" type="slidenum">
               <a:rPr lang="en-US" smtClean="0"/>
-              <a:t>31</a:t>
+              <a:t>32</a:t>
             </a:fld>
             <a:endParaRPr lang="en-US"/>
           </a:p>
@@ -2661,7 +2662,7 @@
           <a:p>
             <a:fld id="{1DA8FDC0-278E-409A-9842-98A7FBBA717A}" type="slidenum">
               <a:rPr lang="en-US" smtClean="0"/>
-              <a:t>32</a:t>
+              <a:t>33</a:t>
             </a:fld>
             <a:endParaRPr lang="en-US"/>
           </a:p>
@@ -2745,7 +2746,7 @@
           <a:p>
             <a:fld id="{1DA8FDC0-278E-409A-9842-98A7FBBA717A}" type="slidenum">
               <a:rPr lang="en-US" smtClean="0"/>
-              <a:t>33</a:t>
+              <a:t>34</a:t>
             </a:fld>
             <a:endParaRPr lang="en-US"/>
           </a:p>
@@ -2829,7 +2830,7 @@
           <a:p>
             <a:fld id="{1DA8FDC0-278E-409A-9842-98A7FBBA717A}" type="slidenum">
               <a:rPr lang="en-US" smtClean="0"/>
-              <a:t>4</a:t>
+              <a:t>5</a:t>
             </a:fld>
             <a:endParaRPr lang="en-US"/>
           </a:p>
@@ -2913,7 +2914,7 @@
           <a:p>
             <a:fld id="{1DA8FDC0-278E-409A-9842-98A7FBBA717A}" type="slidenum">
               <a:rPr lang="en-US" smtClean="0"/>
-              <a:t>5</a:t>
+              <a:t>6</a:t>
             </a:fld>
             <a:endParaRPr lang="en-US"/>
           </a:p>
@@ -2997,7 +2998,7 @@
           <a:p>
             <a:fld id="{1DA8FDC0-278E-409A-9842-98A7FBBA717A}" type="slidenum">
               <a:rPr lang="en-US" smtClean="0"/>
-              <a:t>6</a:t>
+              <a:t>7</a:t>
             </a:fld>
             <a:endParaRPr lang="en-US"/>
           </a:p>
@@ -3081,7 +3082,7 @@
           <a:p>
             <a:fld id="{1DA8FDC0-278E-409A-9842-98A7FBBA717A}" type="slidenum">
               <a:rPr lang="en-US" smtClean="0"/>
-              <a:t>7</a:t>
+              <a:t>8</a:t>
             </a:fld>
             <a:endParaRPr lang="en-US"/>
           </a:p>
@@ -3165,7 +3166,7 @@
           <a:p>
             <a:fld id="{1DA8FDC0-278E-409A-9842-98A7FBBA717A}" type="slidenum">
               <a:rPr lang="en-US" smtClean="0"/>
-              <a:t>8</a:t>
+              <a:t>9</a:t>
             </a:fld>
             <a:endParaRPr lang="en-US"/>
           </a:p>
@@ -3249,7 +3250,7 @@
           <a:p>
             <a:fld id="{1DA8FDC0-278E-409A-9842-98A7FBBA717A}" type="slidenum">
               <a:rPr lang="en-US" smtClean="0"/>
-              <a:t>9</a:t>
+              <a:t>10</a:t>
             </a:fld>
             <a:endParaRPr lang="en-US"/>
           </a:p>
@@ -3512,7 +3513,7 @@
           <a:p>
             <a:fld id="{9184DA70-C731-4C70-880D-CCD4705E623C}" type="datetime1">
               <a:rPr lang="en-US" smtClean="0"/>
-              <a:t>2/14/2022</a:t>
+              <a:t>2/15/2022</a:t>
             </a:fld>
             <a:endParaRPr lang="en-US" dirty="0"/>
           </a:p>
@@ -3700,7 +3701,7 @@
           <a:p>
             <a:fld id="{B612A279-0833-481D-8C56-F67FD0AC6C50}" type="datetime1">
               <a:rPr lang="en-US" smtClean="0"/>
-              <a:t>2/14/2022</a:t>
+              <a:t>2/15/2022</a:t>
             </a:fld>
             <a:endParaRPr lang="en-US" dirty="0"/>
           </a:p>
@@ -3942,7 +3943,7 @@
           <a:p>
             <a:fld id="{6587DA83-5663-4C9C-B9AA-0B40A3DAFF81}" type="datetime1">
               <a:rPr lang="en-US" smtClean="0"/>
-              <a:t>2/14/2022</a:t>
+              <a:t>2/15/2022</a:t>
             </a:fld>
             <a:endParaRPr lang="en-US" dirty="0"/>
           </a:p>
@@ -4130,7 +4131,7 @@
           <a:p>
             <a:fld id="{4BE1D723-8F53-4F53-90B0-1982A396982E}" type="datetime1">
               <a:rPr lang="en-US" smtClean="0"/>
-              <a:t>2/14/2022</a:t>
+              <a:t>2/15/2022</a:t>
             </a:fld>
             <a:endParaRPr lang="en-US" dirty="0"/>
           </a:p>
@@ -4503,7 +4504,7 @@
           <a:p>
             <a:fld id="{97669AF7-7BEB-44E4-9852-375E34362B5B}" type="datetime1">
               <a:rPr lang="en-US" smtClean="0"/>
-              <a:t>2/14/2022</a:t>
+              <a:t>2/15/2022</a:t>
             </a:fld>
             <a:endParaRPr lang="en-US" dirty="0"/>
           </a:p>
@@ -4758,7 +4759,7 @@
           <a:p>
             <a:fld id="{BAAAC38D-0552-4C82-B593-E6124DFADBE2}" type="datetime1">
               <a:rPr lang="en-US" smtClean="0"/>
-              <a:t>2/14/2022</a:t>
+              <a:t>2/15/2022</a:t>
             </a:fld>
             <a:endParaRPr lang="en-US" dirty="0"/>
           </a:p>
@@ -5155,7 +5156,7 @@
           <a:p>
             <a:fld id="{D9DF0F1C-5577-4ACB-BB62-DF8F3C494C7E}" type="datetime1">
               <a:rPr lang="en-US" smtClean="0"/>
-              <a:t>2/14/2022</a:t>
+              <a:t>2/15/2022</a:t>
             </a:fld>
             <a:endParaRPr lang="en-US" dirty="0"/>
           </a:p>
@@ -5291,7 +5292,7 @@
           <a:p>
             <a:fld id="{1775B394-D9F9-4F0C-B15D-605F45CB9E9F}" type="datetime1">
               <a:rPr lang="en-US" smtClean="0"/>
-              <a:t>2/14/2022</a:t>
+              <a:t>2/15/2022</a:t>
             </a:fld>
             <a:endParaRPr lang="en-US" dirty="0"/>
           </a:p>
@@ -5448,7 +5449,7 @@
           <a:p>
             <a:fld id="{39667345-2558-425A-8533-9BFDBCE15005}" type="datetime1">
               <a:rPr lang="en-US" smtClean="0"/>
-              <a:t>2/14/2022</a:t>
+              <a:t>2/15/2022</a:t>
             </a:fld>
             <a:endParaRPr lang="en-US" dirty="0"/>
           </a:p>
@@ -5777,7 +5778,7 @@
           <a:p>
             <a:fld id="{92BEA474-078D-4E9B-9B14-09A87B19DC46}" type="datetime1">
               <a:rPr lang="en-US" smtClean="0"/>
-              <a:t>2/14/2022</a:t>
+              <a:t>2/15/2022</a:t>
             </a:fld>
             <a:endParaRPr lang="en-US" dirty="0"/>
           </a:p>
@@ -6127,7 +6128,7 @@
           <a:p>
             <a:fld id="{4907D986-8816-4272-A432-0437A28A9828}" type="datetime1">
               <a:rPr lang="en-US" smtClean="0"/>
-              <a:t>2/14/2022</a:t>
+              <a:t>2/15/2022</a:t>
             </a:fld>
             <a:endParaRPr lang="en-US" dirty="0"/>
           </a:p>
@@ -6388,7 +6389,7 @@
           <a:p>
             <a:fld id="{62D6E202-B606-4609-B914-27C9371A1F6D}" type="datetime1">
               <a:rPr lang="en-US" smtClean="0"/>
-              <a:t>2/14/2022</a:t>
+              <a:t>2/15/2022</a:t>
             </a:fld>
             <a:endParaRPr lang="en-US" dirty="0"/>
           </a:p>
@@ -7225,7 +7226,106 @@
           <a:lstStyle/>
           <a:p>
             <a:r>
-              <a:rPr lang="en-US" sz="2000" dirty="0"/>
+              <a:rPr lang="en-US" sz="2400" dirty="0"/>
+              <a:t>Machine Learning </a:t>
+            </a:r>
+            <a:r>
+              <a:rPr lang="en-US" sz="1800" dirty="0"/>
+              <a:t>Slide 6</a:t>
+            </a:r>
+          </a:p>
+        </p:txBody>
+      </p:sp>
+      <p:pic>
+        <p:nvPicPr>
+          <p:cNvPr id="3" name="Picture 2">
+            <a:extLst>
+              <a:ext uri="{FF2B5EF4-FFF2-40B4-BE49-F238E27FC236}">
+                <a16:creationId xmlns:a16="http://schemas.microsoft.com/office/drawing/2014/main" id="{705C0C8C-B1BD-417D-839B-B9BAE963E067}"/>
+              </a:ext>
+            </a:extLst>
+          </p:cNvPr>
+          <p:cNvPicPr>
+            <a:picLocks noChangeAspect="1"/>
+          </p:cNvPicPr>
+          <p:nvPr/>
+        </p:nvPicPr>
+        <p:blipFill>
+          <a:blip r:embed="rId3"/>
+          <a:stretch>
+            <a:fillRect/>
+          </a:stretch>
+        </p:blipFill>
+        <p:spPr>
+          <a:xfrm>
+            <a:off x="558800" y="1005840"/>
+            <a:ext cx="10637520" cy="5354320"/>
+          </a:xfrm>
+          <a:prstGeom prst="rect">
+            <a:avLst/>
+          </a:prstGeom>
+        </p:spPr>
+      </p:pic>
+    </p:spTree>
+    <p:extLst>
+      <p:ext uri="{BB962C8B-B14F-4D97-AF65-F5344CB8AC3E}">
+        <p14:creationId xmlns:p14="http://schemas.microsoft.com/office/powerpoint/2010/main" val="1989955244"/>
+      </p:ext>
+    </p:extLst>
+  </p:cSld>
+  <p:clrMapOvr>
+    <a:masterClrMapping/>
+  </p:clrMapOvr>
+</p:sld>
+</file>
+
+<file path=ppt/slides/slide11.xml><?xml version="1.0" encoding="utf-8"?>
+<p:sld xmlns:a="http://schemas.openxmlformats.org/drawingml/2006/main" xmlns:r="http://schemas.openxmlformats.org/officeDocument/2006/relationships" xmlns:p="http://schemas.openxmlformats.org/presentationml/2006/main">
+  <p:cSld>
+    <p:spTree>
+      <p:nvGrpSpPr>
+        <p:cNvPr id="1" name=""/>
+        <p:cNvGrpSpPr/>
+        <p:nvPr/>
+      </p:nvGrpSpPr>
+      <p:grpSpPr>
+        <a:xfrm>
+          <a:off x="0" y="0"/>
+          <a:ext cx="0" cy="0"/>
+          <a:chOff x="0" y="0"/>
+          <a:chExt cx="0" cy="0"/>
+        </a:xfrm>
+      </p:grpSpPr>
+      <p:sp>
+        <p:nvSpPr>
+          <p:cNvPr id="8" name="Title 1">
+            <a:extLst>
+              <a:ext uri="{FF2B5EF4-FFF2-40B4-BE49-F238E27FC236}">
+                <a16:creationId xmlns:a16="http://schemas.microsoft.com/office/drawing/2014/main" id="{D67540AF-DFB1-4811-BA33-D6DD37D9FE1B}"/>
+              </a:ext>
+            </a:extLst>
+          </p:cNvPr>
+          <p:cNvSpPr>
+            <a:spLocks noGrp="1"/>
+          </p:cNvSpPr>
+          <p:nvPr>
+            <p:ph type="title"/>
+          </p:nvPr>
+        </p:nvSpPr>
+        <p:spPr>
+          <a:xfrm>
+            <a:off x="3618688" y="286603"/>
+            <a:ext cx="5155661" cy="579159"/>
+          </a:xfrm>
+        </p:spPr>
+        <p:txBody>
+          <a:bodyPr>
+            <a:normAutofit/>
+          </a:bodyPr>
+          <a:lstStyle/>
+          <a:p>
+            <a:r>
+              <a:rPr lang="en-US" sz="2400" dirty="0"/>
               <a:t>Machine Learning </a:t>
             </a:r>
             <a:r>
@@ -7278,7 +7378,7 @@
 </p:sld>
 </file>
 
-<file path=ppt/slides/slide11.xml><?xml version="1.0" encoding="utf-8"?>
+<file path=ppt/slides/slide12.xml><?xml version="1.0" encoding="utf-8"?>
 <p:sld xmlns:a="http://schemas.openxmlformats.org/drawingml/2006/main" xmlns:r="http://schemas.openxmlformats.org/officeDocument/2006/relationships" xmlns:p="http://schemas.openxmlformats.org/presentationml/2006/main">
   <p:cSld>
     <p:spTree>
@@ -7324,7 +7424,7 @@
           <a:lstStyle/>
           <a:p>
             <a:r>
-              <a:rPr lang="en-US" sz="2200" dirty="0"/>
+              <a:rPr lang="en-US" sz="2700" dirty="0"/>
               <a:t>ALPACA MONTE CARLO   </a:t>
             </a:r>
             <a:r>
@@ -7362,8 +7462,8 @@
         </p:blipFill>
         <p:spPr>
           <a:xfrm>
-            <a:off x="1904637" y="1819072"/>
-            <a:ext cx="8382726" cy="4581728"/>
+            <a:off x="1904637" y="1420009"/>
+            <a:ext cx="8382726" cy="4980791"/>
           </a:xfrm>
           <a:prstGeom prst="rect">
             <a:avLst/>
@@ -7383,7 +7483,7 @@
 </p:sld>
 </file>
 
-<file path=ppt/slides/slide12.xml><?xml version="1.0" encoding="utf-8"?>
+<file path=ppt/slides/slide13.xml><?xml version="1.0" encoding="utf-8"?>
 <p:sld xmlns:a="http://schemas.openxmlformats.org/drawingml/2006/main" xmlns:r="http://schemas.openxmlformats.org/officeDocument/2006/relationships" xmlns:p="http://schemas.openxmlformats.org/presentationml/2006/main">
   <p:cSld>
     <p:spTree>
@@ -7429,12 +7529,8 @@
           <a:lstStyle/>
           <a:p>
             <a:r>
-              <a:rPr lang="en-US" sz="2200" dirty="0"/>
-              <a:t>ALPACA MONTE CARLO</a:t>
-            </a:r>
-            <a:r>
-              <a:rPr lang="en-US" sz="2400" dirty="0"/>
-              <a:t>                       </a:t>
+              <a:rPr lang="en-US" sz="2700" dirty="0"/>
+              <a:t>ALPACA MONTE CARLO                       </a:t>
             </a:r>
             <a:r>
               <a:rPr lang="en-US" sz="2000" dirty="0"/>
@@ -7492,7 +7588,7 @@
 </p:sld>
 </file>
 
-<file path=ppt/slides/slide13.xml><?xml version="1.0" encoding="utf-8"?>
+<file path=ppt/slides/slide14.xml><?xml version="1.0" encoding="utf-8"?>
 <p:sld xmlns:a="http://schemas.openxmlformats.org/drawingml/2006/main" xmlns:r="http://schemas.openxmlformats.org/officeDocument/2006/relationships" xmlns:p="http://schemas.openxmlformats.org/presentationml/2006/main">
   <p:cSld>
     <p:spTree>
@@ -7539,7 +7635,11 @@
           <a:p>
             <a:r>
               <a:rPr lang="en-US" sz="2400" dirty="0"/>
-              <a:t>Slide 3 DF  ALP MC</a:t>
+              <a:t>DF  ALPACA MC      </a:t>
+            </a:r>
+            <a:r>
+              <a:rPr lang="en-US" sz="1800" dirty="0"/>
+              <a:t>Slide 3</a:t>
             </a:r>
           </a:p>
         </p:txBody>
@@ -7593,7 +7693,7 @@
 </p:sld>
 </file>
 
-<file path=ppt/slides/slide14.xml><?xml version="1.0" encoding="utf-8"?>
+<file path=ppt/slides/slide15.xml><?xml version="1.0" encoding="utf-8"?>
 <p:sld xmlns:a="http://schemas.openxmlformats.org/drawingml/2006/main" xmlns:r="http://schemas.openxmlformats.org/officeDocument/2006/relationships" xmlns:p="http://schemas.openxmlformats.org/presentationml/2006/main">
   <p:cSld>
     <p:spTree>
@@ -7640,7 +7740,11 @@
           <a:p>
             <a:r>
               <a:rPr lang="en-US" sz="2400" dirty="0"/>
-              <a:t>ALPACA MC  Slide 4</a:t>
+              <a:t>ALPACA MC  </a:t>
+            </a:r>
+            <a:r>
+              <a:rPr lang="en-US" sz="1800" dirty="0"/>
+              <a:t>Slide 4</a:t>
             </a:r>
           </a:p>
         </p:txBody>
@@ -7688,7 +7792,7 @@
 </p:sld>
 </file>
 
-<file path=ppt/slides/slide15.xml><?xml version="1.0" encoding="utf-8"?>
+<file path=ppt/slides/slide16.xml><?xml version="1.0" encoding="utf-8"?>
 <p:sld xmlns:a="http://schemas.openxmlformats.org/drawingml/2006/main" xmlns:r="http://schemas.openxmlformats.org/officeDocument/2006/relationships" xmlns:p="http://schemas.openxmlformats.org/presentationml/2006/main">
   <p:cSld>
     <p:spTree>
@@ -7723,7 +7827,7 @@
         </p:nvSpPr>
         <p:spPr>
           <a:xfrm>
-            <a:off x="4523362" y="142876"/>
+            <a:off x="3792203" y="142875"/>
             <a:ext cx="4134255" cy="528638"/>
           </a:xfrm>
         </p:spPr>
@@ -7735,7 +7839,11 @@
           <a:p>
             <a:r>
               <a:rPr lang="en-US" sz="2400" dirty="0"/>
-              <a:t>ALPACA MONTE CARLO SLIDE 5</a:t>
+              <a:t>ALPACA MONTE CARLO </a:t>
+            </a:r>
+            <a:r>
+              <a:rPr lang="en-US" sz="2000" dirty="0"/>
+              <a:t>SLIDE 5</a:t>
             </a:r>
           </a:p>
         </p:txBody>
@@ -7783,7 +7891,7 @@
 </p:sld>
 </file>
 
-<file path=ppt/slides/slide16.xml><?xml version="1.0" encoding="utf-8"?>
+<file path=ppt/slides/slide17.xml><?xml version="1.0" encoding="utf-8"?>
 <p:sld xmlns:a="http://schemas.openxmlformats.org/drawingml/2006/main" xmlns:r="http://schemas.openxmlformats.org/officeDocument/2006/relationships" xmlns:p="http://schemas.openxmlformats.org/presentationml/2006/main">
   <p:cSld>
     <p:spTree>
@@ -7829,16 +7937,12 @@
           <a:lstStyle/>
           <a:p>
             <a:r>
-              <a:rPr lang="en-US" sz="2000" dirty="0"/>
+              <a:rPr lang="en-US" sz="2400" dirty="0"/>
               <a:t>ALPACA MONTE  CARLO </a:t>
             </a:r>
             <a:r>
               <a:rPr lang="en-US" sz="1800" dirty="0"/>
-              <a:t>Slide 6</a:t>
-            </a:r>
-            <a:r>
-              <a:rPr lang="en-US" sz="2400" dirty="0"/>
-              <a:t> </a:t>
+              <a:t>Slide 6 </a:t>
             </a:r>
           </a:p>
         </p:txBody>
@@ -7886,7 +7990,7 @@
 </p:sld>
 </file>
 
-<file path=ppt/slides/slide17.xml><?xml version="1.0" encoding="utf-8"?>
+<file path=ppt/slides/slide18.xml><?xml version="1.0" encoding="utf-8"?>
 <p:sld xmlns:a="http://schemas.openxmlformats.org/drawingml/2006/main" xmlns:r="http://schemas.openxmlformats.org/officeDocument/2006/relationships" xmlns:p="http://schemas.openxmlformats.org/presentationml/2006/main">
   <p:cSld>
     <p:spTree>
@@ -7991,7 +8095,7 @@
 </p:sld>
 </file>
 
-<file path=ppt/slides/slide18.xml><?xml version="1.0" encoding="utf-8"?>
+<file path=ppt/slides/slide19.xml><?xml version="1.0" encoding="utf-8"?>
 <p:sld xmlns:a="http://schemas.openxmlformats.org/drawingml/2006/main" xmlns:r="http://schemas.openxmlformats.org/officeDocument/2006/relationships" xmlns:p="http://schemas.openxmlformats.org/presentationml/2006/main">
   <p:cSld>
     <p:spTree>
@@ -8090,7 +8194,181 @@
 </p:sld>
 </file>
 
-<file path=ppt/slides/slide19.xml><?xml version="1.0" encoding="utf-8"?>
+<file path=ppt/slides/slide2.xml><?xml version="1.0" encoding="utf-8"?>
+<p:sld xmlns:a="http://schemas.openxmlformats.org/drawingml/2006/main" xmlns:r="http://schemas.openxmlformats.org/officeDocument/2006/relationships" xmlns:p="http://schemas.openxmlformats.org/presentationml/2006/main">
+  <p:cSld>
+    <p:spTree>
+      <p:nvGrpSpPr>
+        <p:cNvPr id="1" name=""/>
+        <p:cNvGrpSpPr/>
+        <p:nvPr/>
+      </p:nvGrpSpPr>
+      <p:grpSpPr>
+        <a:xfrm>
+          <a:off x="0" y="0"/>
+          <a:ext cx="0" cy="0"/>
+          <a:chOff x="0" y="0"/>
+          <a:chExt cx="0" cy="0"/>
+        </a:xfrm>
+      </p:grpSpPr>
+      <p:sp>
+        <p:nvSpPr>
+          <p:cNvPr id="2" name="Title 1">
+            <a:extLst>
+              <a:ext uri="{FF2B5EF4-FFF2-40B4-BE49-F238E27FC236}">
+                <a16:creationId xmlns:a16="http://schemas.microsoft.com/office/drawing/2014/main" id="{304AF792-7E2A-4880-9591-25BDD95C2A88}"/>
+              </a:ext>
+            </a:extLst>
+          </p:cNvPr>
+          <p:cNvSpPr>
+            <a:spLocks noGrp="1"/>
+          </p:cNvSpPr>
+          <p:nvPr>
+            <p:ph type="title"/>
+          </p:nvPr>
+        </p:nvSpPr>
+        <p:spPr/>
+        <p:txBody>
+          <a:bodyPr/>
+          <a:lstStyle/>
+          <a:p>
+            <a:r>
+              <a:rPr lang="en-US" dirty="0"/>
+              <a:t>			Introduction</a:t>
+            </a:r>
+          </a:p>
+        </p:txBody>
+      </p:sp>
+      <p:sp>
+        <p:nvSpPr>
+          <p:cNvPr id="3" name="Content Placeholder 2">
+            <a:extLst>
+              <a:ext uri="{FF2B5EF4-FFF2-40B4-BE49-F238E27FC236}">
+                <a16:creationId xmlns:a16="http://schemas.microsoft.com/office/drawing/2014/main" id="{4CBCDEC1-3CD0-4101-864E-08BC6DC3D482}"/>
+              </a:ext>
+            </a:extLst>
+          </p:cNvPr>
+          <p:cNvSpPr>
+            <a:spLocks noGrp="1"/>
+          </p:cNvSpPr>
+          <p:nvPr>
+            <p:ph idx="1"/>
+          </p:nvPr>
+        </p:nvSpPr>
+        <p:spPr>
+          <a:xfrm>
+            <a:off x="1097280" y="1898073"/>
+            <a:ext cx="10058400" cy="3971019"/>
+          </a:xfrm>
+        </p:spPr>
+        <p:txBody>
+          <a:bodyPr>
+            <a:noAutofit/>
+          </a:bodyPr>
+          <a:lstStyle/>
+          <a:p>
+            <a:pPr>
+              <a:lnSpc>
+                <a:spcPct val="100000"/>
+              </a:lnSpc>
+            </a:pPr>
+            <a:r>
+              <a:rPr lang="en-US" sz="2400" b="1" dirty="0"/>
+              <a:t>• </a:t>
+            </a:r>
+            <a:r>
+              <a:rPr lang="en-US" sz="2800" b="1" dirty="0"/>
+              <a:t>Select Stocks (2-4) @ current risk with 3 </a:t>
+            </a:r>
+            <a:r>
+              <a:rPr lang="en-US" sz="2800" b="1" dirty="0" err="1"/>
+              <a:t>yr</a:t>
+            </a:r>
+            <a:r>
+              <a:rPr lang="en-US" sz="2800" b="1" dirty="0"/>
+              <a:t> predicted Close </a:t>
+            </a:r>
+          </a:p>
+          <a:p>
+            <a:pPr>
+              <a:lnSpc>
+                <a:spcPct val="100000"/>
+              </a:lnSpc>
+            </a:pPr>
+            <a:r>
+              <a:rPr lang="en-US" sz="2800" b="1" dirty="0"/>
+              <a:t>• Input Variable: Historical Close</a:t>
+            </a:r>
+          </a:p>
+          <a:p>
+            <a:pPr marL="0" indent="0">
+              <a:lnSpc>
+                <a:spcPct val="100000"/>
+              </a:lnSpc>
+              <a:buNone/>
+            </a:pPr>
+            <a:r>
+              <a:rPr lang="en-US" sz="2800" b="1" dirty="0"/>
+              <a:t> • Target Variable: Predicted Close (3 </a:t>
+            </a:r>
+            <a:r>
+              <a:rPr lang="en-US" sz="2800" b="1" dirty="0" err="1"/>
+              <a:t>yrs</a:t>
+            </a:r>
+            <a:r>
+              <a:rPr lang="en-US" sz="2800" b="1" dirty="0"/>
+              <a:t>) Reflecting Investor Retirement</a:t>
+            </a:r>
+          </a:p>
+          <a:p>
+            <a:pPr>
+              <a:lnSpc>
+                <a:spcPct val="100000"/>
+              </a:lnSpc>
+            </a:pPr>
+            <a:r>
+              <a:rPr lang="en-US" sz="2800" b="1" dirty="0"/>
+              <a:t>• Worked/Didn’t work: Will Review</a:t>
+            </a:r>
+          </a:p>
+          <a:p>
+            <a:pPr>
+              <a:lnSpc>
+                <a:spcPct val="100000"/>
+              </a:lnSpc>
+            </a:pPr>
+            <a:r>
+              <a:rPr lang="en-US" sz="2800" b="1" dirty="0"/>
+              <a:t>•Monte Carlo chosen as accurate historical predictor </a:t>
+            </a:r>
+          </a:p>
+          <a:p>
+            <a:pPr>
+              <a:lnSpc>
+                <a:spcPct val="100000"/>
+              </a:lnSpc>
+            </a:pPr>
+            <a:r>
+              <a:rPr lang="en-US" sz="2800" b="1" dirty="0"/>
+              <a:t>• FB Prophet chosen as a well functioning predictor</a:t>
+            </a:r>
+          </a:p>
+        </p:txBody>
+      </p:sp>
+    </p:spTree>
+    <p:extLst>
+      <p:ext uri="{BB962C8B-B14F-4D97-AF65-F5344CB8AC3E}">
+        <p14:creationId xmlns:p14="http://schemas.microsoft.com/office/powerpoint/2010/main" val="3993613907"/>
+      </p:ext>
+    </p:extLst>
+  </p:cSld>
+  <p:clrMapOvr>
+    <a:masterClrMapping/>
+  </p:clrMapOvr>
+</p:sld>
+</file>
+
+<file path=ppt/slides/slide20.xml><?xml version="1.0" encoding="utf-8"?>
 <p:sld xmlns:a="http://schemas.openxmlformats.org/drawingml/2006/main" xmlns:r="http://schemas.openxmlformats.org/officeDocument/2006/relationships" xmlns:p="http://schemas.openxmlformats.org/presentationml/2006/main">
   <p:cSld>
     <p:spTree>
@@ -8189,181 +8467,7 @@
 </p:sld>
 </file>
 
-<file path=ppt/slides/slide2.xml><?xml version="1.0" encoding="utf-8"?>
-<p:sld xmlns:a="http://schemas.openxmlformats.org/drawingml/2006/main" xmlns:r="http://schemas.openxmlformats.org/officeDocument/2006/relationships" xmlns:p="http://schemas.openxmlformats.org/presentationml/2006/main">
-  <p:cSld>
-    <p:spTree>
-      <p:nvGrpSpPr>
-        <p:cNvPr id="1" name=""/>
-        <p:cNvGrpSpPr/>
-        <p:nvPr/>
-      </p:nvGrpSpPr>
-      <p:grpSpPr>
-        <a:xfrm>
-          <a:off x="0" y="0"/>
-          <a:ext cx="0" cy="0"/>
-          <a:chOff x="0" y="0"/>
-          <a:chExt cx="0" cy="0"/>
-        </a:xfrm>
-      </p:grpSpPr>
-      <p:sp>
-        <p:nvSpPr>
-          <p:cNvPr id="2" name="Title 1">
-            <a:extLst>
-              <a:ext uri="{FF2B5EF4-FFF2-40B4-BE49-F238E27FC236}">
-                <a16:creationId xmlns:a16="http://schemas.microsoft.com/office/drawing/2014/main" id="{304AF792-7E2A-4880-9591-25BDD95C2A88}"/>
-              </a:ext>
-            </a:extLst>
-          </p:cNvPr>
-          <p:cNvSpPr>
-            <a:spLocks noGrp="1"/>
-          </p:cNvSpPr>
-          <p:nvPr>
-            <p:ph type="title"/>
-          </p:nvPr>
-        </p:nvSpPr>
-        <p:spPr/>
-        <p:txBody>
-          <a:bodyPr/>
-          <a:lstStyle/>
-          <a:p>
-            <a:r>
-              <a:rPr lang="en-US" dirty="0"/>
-              <a:t>			Introduction</a:t>
-            </a:r>
-          </a:p>
-        </p:txBody>
-      </p:sp>
-      <p:sp>
-        <p:nvSpPr>
-          <p:cNvPr id="3" name="Content Placeholder 2">
-            <a:extLst>
-              <a:ext uri="{FF2B5EF4-FFF2-40B4-BE49-F238E27FC236}">
-                <a16:creationId xmlns:a16="http://schemas.microsoft.com/office/drawing/2014/main" id="{4CBCDEC1-3CD0-4101-864E-08BC6DC3D482}"/>
-              </a:ext>
-            </a:extLst>
-          </p:cNvPr>
-          <p:cNvSpPr>
-            <a:spLocks noGrp="1"/>
-          </p:cNvSpPr>
-          <p:nvPr>
-            <p:ph idx="1"/>
-          </p:nvPr>
-        </p:nvSpPr>
-        <p:spPr>
-          <a:xfrm>
-            <a:off x="1097280" y="1898073"/>
-            <a:ext cx="10058400" cy="3971019"/>
-          </a:xfrm>
-        </p:spPr>
-        <p:txBody>
-          <a:bodyPr>
-            <a:noAutofit/>
-          </a:bodyPr>
-          <a:lstStyle/>
-          <a:p>
-            <a:pPr>
-              <a:lnSpc>
-                <a:spcPct val="100000"/>
-              </a:lnSpc>
-            </a:pPr>
-            <a:r>
-              <a:rPr lang="en-US" sz="2400" b="1" dirty="0"/>
-              <a:t>• </a:t>
-            </a:r>
-            <a:r>
-              <a:rPr lang="en-US" sz="2800" b="1" dirty="0"/>
-              <a:t>Select Stocks (2-4) @ current risk with 3 </a:t>
-            </a:r>
-            <a:r>
-              <a:rPr lang="en-US" sz="2800" b="1" dirty="0" err="1"/>
-              <a:t>yr</a:t>
-            </a:r>
-            <a:r>
-              <a:rPr lang="en-US" sz="2800" b="1" dirty="0"/>
-              <a:t> predicted Close </a:t>
-            </a:r>
-          </a:p>
-          <a:p>
-            <a:pPr>
-              <a:lnSpc>
-                <a:spcPct val="100000"/>
-              </a:lnSpc>
-            </a:pPr>
-            <a:r>
-              <a:rPr lang="en-US" sz="2800" b="1" dirty="0"/>
-              <a:t>• Input Variable: Historical Close</a:t>
-            </a:r>
-          </a:p>
-          <a:p>
-            <a:pPr marL="0" indent="0">
-              <a:lnSpc>
-                <a:spcPct val="100000"/>
-              </a:lnSpc>
-              <a:buNone/>
-            </a:pPr>
-            <a:r>
-              <a:rPr lang="en-US" sz="2800" b="1" dirty="0"/>
-              <a:t> • Target Variable: Predicted Close (3 </a:t>
-            </a:r>
-            <a:r>
-              <a:rPr lang="en-US" sz="2800" b="1" dirty="0" err="1"/>
-              <a:t>yrs</a:t>
-            </a:r>
-            <a:r>
-              <a:rPr lang="en-US" sz="2800" b="1" dirty="0"/>
-              <a:t>) Reflecting Investor Retirement</a:t>
-            </a:r>
-          </a:p>
-          <a:p>
-            <a:pPr>
-              <a:lnSpc>
-                <a:spcPct val="100000"/>
-              </a:lnSpc>
-            </a:pPr>
-            <a:r>
-              <a:rPr lang="en-US" sz="2800" b="1" dirty="0"/>
-              <a:t>• Worked/Didn’t work: Will Review</a:t>
-            </a:r>
-          </a:p>
-          <a:p>
-            <a:pPr>
-              <a:lnSpc>
-                <a:spcPct val="100000"/>
-              </a:lnSpc>
-            </a:pPr>
-            <a:r>
-              <a:rPr lang="en-US" sz="2800" b="1" dirty="0"/>
-              <a:t>•Monte Carlo chosen as accurate historical predictor </a:t>
-            </a:r>
-          </a:p>
-          <a:p>
-            <a:pPr>
-              <a:lnSpc>
-                <a:spcPct val="100000"/>
-              </a:lnSpc>
-            </a:pPr>
-            <a:r>
-              <a:rPr lang="en-US" sz="2800" b="1" dirty="0"/>
-              <a:t>• FB Prophet chosen as a well functioning predictor</a:t>
-            </a:r>
-          </a:p>
-        </p:txBody>
-      </p:sp>
-    </p:spTree>
-    <p:extLst>
-      <p:ext uri="{BB962C8B-B14F-4D97-AF65-F5344CB8AC3E}">
-        <p14:creationId xmlns:p14="http://schemas.microsoft.com/office/powerpoint/2010/main" val="3993613907"/>
-      </p:ext>
-    </p:extLst>
-  </p:cSld>
-  <p:clrMapOvr>
-    <a:masterClrMapping/>
-  </p:clrMapOvr>
-</p:sld>
-</file>
-
-<file path=ppt/slides/slide20.xml><?xml version="1.0" encoding="utf-8"?>
+<file path=ppt/slides/slide21.xml><?xml version="1.0" encoding="utf-8"?>
 <p:sld xmlns:a="http://schemas.openxmlformats.org/drawingml/2006/main" xmlns:r="http://schemas.openxmlformats.org/officeDocument/2006/relationships" xmlns:p="http://schemas.openxmlformats.org/presentationml/2006/main">
   <p:cSld>
     <p:spTree>
@@ -8462,7 +8566,7 @@
 </p:sld>
 </file>
 
-<file path=ppt/slides/slide21.xml><?xml version="1.0" encoding="utf-8"?>
+<file path=ppt/slides/slide22.xml><?xml version="1.0" encoding="utf-8"?>
 <p:sld xmlns:a="http://schemas.openxmlformats.org/drawingml/2006/main" xmlns:r="http://schemas.openxmlformats.org/officeDocument/2006/relationships" xmlns:p="http://schemas.openxmlformats.org/presentationml/2006/main">
   <p:cSld>
     <p:spTree>
@@ -8509,7 +8613,11 @@
           <a:p>
             <a:r>
               <a:rPr lang="en-US" sz="2400" dirty="0"/>
-              <a:t>FB Prophet Forecast  Slide 1 </a:t>
+              <a:t>FB Prophet Forecast  </a:t>
+            </a:r>
+            <a:r>
+              <a:rPr lang="en-US" sz="2000" dirty="0"/>
+              <a:t>Slide 1 </a:t>
             </a:r>
           </a:p>
         </p:txBody>
@@ -8557,7 +8665,7 @@
 </p:sld>
 </file>
 
-<file path=ppt/slides/slide22.xml><?xml version="1.0" encoding="utf-8"?>
+<file path=ppt/slides/slide23.xml><?xml version="1.0" encoding="utf-8"?>
 <p:sld xmlns:a="http://schemas.openxmlformats.org/drawingml/2006/main" xmlns:r="http://schemas.openxmlformats.org/officeDocument/2006/relationships" xmlns:p="http://schemas.openxmlformats.org/presentationml/2006/main">
   <p:cSld>
     <p:spTree>
@@ -8604,7 +8712,15 @@
           <a:p>
             <a:r>
               <a:rPr lang="en-US" sz="2400" dirty="0"/>
-              <a:t>FB Prophet Forecast  Slide 2 </a:t>
+              <a:t>FB Prophet Forecast  </a:t>
+            </a:r>
+            <a:r>
+              <a:rPr lang="en-US" sz="2000" dirty="0"/>
+              <a:t>Slide 2</a:t>
+            </a:r>
+            <a:r>
+              <a:rPr lang="en-US" sz="2400" dirty="0"/>
+              <a:t> </a:t>
             </a:r>
           </a:p>
         </p:txBody>
@@ -8652,7 +8768,7 @@
 </p:sld>
 </file>
 
-<file path=ppt/slides/slide23.xml><?xml version="1.0" encoding="utf-8"?>
+<file path=ppt/slides/slide24.xml><?xml version="1.0" encoding="utf-8"?>
 <p:sld xmlns:a="http://schemas.openxmlformats.org/drawingml/2006/main" xmlns:r="http://schemas.openxmlformats.org/officeDocument/2006/relationships" xmlns:p="http://schemas.openxmlformats.org/presentationml/2006/main">
   <p:cSld>
     <p:spTree>
@@ -8751,7 +8867,7 @@
 </p:sld>
 </file>
 
-<file path=ppt/slides/slide24.xml><?xml version="1.0" encoding="utf-8"?>
+<file path=ppt/slides/slide25.xml><?xml version="1.0" encoding="utf-8"?>
 <p:sld xmlns:a="http://schemas.openxmlformats.org/drawingml/2006/main" xmlns:r="http://schemas.openxmlformats.org/officeDocument/2006/relationships" xmlns:p="http://schemas.openxmlformats.org/presentationml/2006/main">
   <p:cSld>
     <p:spTree>
@@ -8798,13 +8914,16 @@
           <a:p>
             <a:r>
               <a:rPr lang="en-US" sz="2400" dirty="0"/>
-              <a:t>    FB Prophet</a:t>
+              <a:t>    FB Prophet </a:t>
             </a:r>
             <a:r>
               <a:rPr lang="en-US" sz="2000" dirty="0"/>
-              <a:t> (Daily not smoothed) SLIDE 4</a:t>
-            </a:r>
-            <a:endParaRPr lang="en-US" sz="1800" dirty="0"/>
+              <a:t>(Daily not smoothed) </a:t>
+            </a:r>
+            <a:r>
+              <a:rPr lang="en-US" sz="1800" dirty="0"/>
+              <a:t>SLIDE 4</a:t>
+            </a:r>
           </a:p>
         </p:txBody>
       </p:sp>
@@ -8851,7 +8970,7 @@
 </p:sld>
 </file>
 
-<file path=ppt/slides/slide25.xml><?xml version="1.0" encoding="utf-8"?>
+<file path=ppt/slides/slide26.xml><?xml version="1.0" encoding="utf-8"?>
 <p:sld xmlns:a="http://schemas.openxmlformats.org/drawingml/2006/main" xmlns:r="http://schemas.openxmlformats.org/officeDocument/2006/relationships" xmlns:p="http://schemas.openxmlformats.org/presentationml/2006/main">
   <p:cSld>
     <p:spTree>
@@ -8898,7 +9017,11 @@
           <a:p>
             <a:r>
               <a:rPr lang="en-US" sz="2400" dirty="0"/>
-              <a:t>FB Prophet Slide 5</a:t>
+              <a:t>FB Prophet </a:t>
+            </a:r>
+            <a:r>
+              <a:rPr lang="en-US" sz="2000" dirty="0"/>
+              <a:t>Slide 5</a:t>
             </a:r>
           </a:p>
         </p:txBody>
@@ -8946,7 +9069,7 @@
 </p:sld>
 </file>
 
-<file path=ppt/slides/slide26.xml><?xml version="1.0" encoding="utf-8"?>
+<file path=ppt/slides/slide27.xml><?xml version="1.0" encoding="utf-8"?>
 <p:sld xmlns:a="http://schemas.openxmlformats.org/drawingml/2006/main" xmlns:r="http://schemas.openxmlformats.org/officeDocument/2006/relationships" xmlns:p="http://schemas.openxmlformats.org/presentationml/2006/main">
   <p:cSld>
     <p:spTree>
@@ -8993,7 +9116,11 @@
           <a:p>
             <a:r>
               <a:rPr lang="en-US" sz="2400" dirty="0"/>
-              <a:t>BITCOIN Review Slide 6</a:t>
+              <a:t>BITCOIN Review </a:t>
+            </a:r>
+            <a:r>
+              <a:rPr lang="en-US" sz="1800" dirty="0"/>
+              <a:t>Slide 6</a:t>
             </a:r>
           </a:p>
         </p:txBody>
@@ -9041,7 +9168,7 @@
 </p:sld>
 </file>
 
-<file path=ppt/slides/slide27.xml><?xml version="1.0" encoding="utf-8"?>
+<file path=ppt/slides/slide28.xml><?xml version="1.0" encoding="utf-8"?>
 <p:sld xmlns:a="http://schemas.openxmlformats.org/drawingml/2006/main" xmlns:r="http://schemas.openxmlformats.org/officeDocument/2006/relationships" xmlns:p="http://schemas.openxmlformats.org/presentationml/2006/main">
   <p:cSld>
     <p:spTree>
@@ -9088,7 +9215,11 @@
           <a:p>
             <a:r>
               <a:rPr lang="en-US" sz="2400" dirty="0"/>
-              <a:t>BITCOIN Review Slide 7</a:t>
+              <a:t>BITCOIN Review </a:t>
+            </a:r>
+            <a:r>
+              <a:rPr lang="en-US" sz="1800" dirty="0"/>
+              <a:t>Slide 7</a:t>
             </a:r>
           </a:p>
         </p:txBody>
@@ -9136,7 +9267,7 @@
 </p:sld>
 </file>
 
-<file path=ppt/slides/slide28.xml><?xml version="1.0" encoding="utf-8"?>
+<file path=ppt/slides/slide29.xml><?xml version="1.0" encoding="utf-8"?>
 <p:sld xmlns:a="http://schemas.openxmlformats.org/drawingml/2006/main" xmlns:r="http://schemas.openxmlformats.org/officeDocument/2006/relationships" xmlns:p="http://schemas.openxmlformats.org/presentationml/2006/main">
   <p:cSld>
     <p:spTree>
@@ -9222,101 +9353,6 @@
     <p:extLst>
       <p:ext uri="{BB962C8B-B14F-4D97-AF65-F5344CB8AC3E}">
         <p14:creationId xmlns:p14="http://schemas.microsoft.com/office/powerpoint/2010/main" val="2268220476"/>
-      </p:ext>
-    </p:extLst>
-  </p:cSld>
-  <p:clrMapOvr>
-    <a:masterClrMapping/>
-  </p:clrMapOvr>
-</p:sld>
-</file>
-
-<file path=ppt/slides/slide29.xml><?xml version="1.0" encoding="utf-8"?>
-<p:sld xmlns:a="http://schemas.openxmlformats.org/drawingml/2006/main" xmlns:r="http://schemas.openxmlformats.org/officeDocument/2006/relationships" xmlns:p="http://schemas.openxmlformats.org/presentationml/2006/main">
-  <p:cSld>
-    <p:spTree>
-      <p:nvGrpSpPr>
-        <p:cNvPr id="1" name=""/>
-        <p:cNvGrpSpPr/>
-        <p:nvPr/>
-      </p:nvGrpSpPr>
-      <p:grpSpPr>
-        <a:xfrm>
-          <a:off x="0" y="0"/>
-          <a:ext cx="0" cy="0"/>
-          <a:chOff x="0" y="0"/>
-          <a:chExt cx="0" cy="0"/>
-        </a:xfrm>
-      </p:grpSpPr>
-      <p:sp>
-        <p:nvSpPr>
-          <p:cNvPr id="8" name="Title 1">
-            <a:extLst>
-              <a:ext uri="{FF2B5EF4-FFF2-40B4-BE49-F238E27FC236}">
-                <a16:creationId xmlns:a16="http://schemas.microsoft.com/office/drawing/2014/main" id="{D67540AF-DFB1-4811-BA33-D6DD37D9FE1B}"/>
-              </a:ext>
-            </a:extLst>
-          </p:cNvPr>
-          <p:cNvSpPr>
-            <a:spLocks noGrp="1"/>
-          </p:cNvSpPr>
-          <p:nvPr>
-            <p:ph type="title"/>
-          </p:nvPr>
-        </p:nvSpPr>
-        <p:spPr>
-          <a:xfrm>
-            <a:off x="3618688" y="286603"/>
-            <a:ext cx="5155661" cy="579159"/>
-          </a:xfrm>
-        </p:spPr>
-        <p:txBody>
-          <a:bodyPr>
-            <a:normAutofit/>
-          </a:bodyPr>
-          <a:lstStyle/>
-          <a:p>
-            <a:r>
-              <a:rPr lang="en-US" sz="2400" dirty="0"/>
-              <a:t>ETHEREUM Slide 9</a:t>
-            </a:r>
-          </a:p>
-        </p:txBody>
-      </p:sp>
-      <p:pic>
-        <p:nvPicPr>
-          <p:cNvPr id="3" name="Picture 2">
-            <a:extLst>
-              <a:ext uri="{FF2B5EF4-FFF2-40B4-BE49-F238E27FC236}">
-                <a16:creationId xmlns:a16="http://schemas.microsoft.com/office/drawing/2014/main" id="{E6F51372-A740-4D68-96CD-11B3908EC946}"/>
-              </a:ext>
-            </a:extLst>
-          </p:cNvPr>
-          <p:cNvPicPr>
-            <a:picLocks noChangeAspect="1"/>
-          </p:cNvPicPr>
-          <p:nvPr/>
-        </p:nvPicPr>
-        <p:blipFill>
-          <a:blip r:embed="rId3"/>
-          <a:stretch>
-            <a:fillRect/>
-          </a:stretch>
-        </p:blipFill>
-        <p:spPr>
-          <a:xfrm>
-            <a:off x="157163" y="865762"/>
-            <a:ext cx="11472862" cy="5435025"/>
-          </a:xfrm>
-          <a:prstGeom prst="rect">
-            <a:avLst/>
-          </a:prstGeom>
-        </p:spPr>
-      </p:pic>
-    </p:spTree>
-    <p:extLst>
-      <p:ext uri="{BB962C8B-B14F-4D97-AF65-F5344CB8AC3E}">
-        <p14:creationId xmlns:p14="http://schemas.microsoft.com/office/powerpoint/2010/main" val="3526905984"/>
       </p:ext>
     </p:extLst>
   </p:cSld>
@@ -10698,7 +10734,110 @@
           <a:p>
             <a:r>
               <a:rPr lang="en-US" sz="2400" dirty="0"/>
-              <a:t>ETHEREUM Slide 10</a:t>
+              <a:t>ETHEREUM </a:t>
+            </a:r>
+            <a:r>
+              <a:rPr lang="en-US" sz="1800" dirty="0"/>
+              <a:t>Slide 9</a:t>
+            </a:r>
+          </a:p>
+        </p:txBody>
+      </p:sp>
+      <p:pic>
+        <p:nvPicPr>
+          <p:cNvPr id="3" name="Picture 2">
+            <a:extLst>
+              <a:ext uri="{FF2B5EF4-FFF2-40B4-BE49-F238E27FC236}">
+                <a16:creationId xmlns:a16="http://schemas.microsoft.com/office/drawing/2014/main" id="{E6F51372-A740-4D68-96CD-11B3908EC946}"/>
+              </a:ext>
+            </a:extLst>
+          </p:cNvPr>
+          <p:cNvPicPr>
+            <a:picLocks noChangeAspect="1"/>
+          </p:cNvPicPr>
+          <p:nvPr/>
+        </p:nvPicPr>
+        <p:blipFill>
+          <a:blip r:embed="rId3"/>
+          <a:stretch>
+            <a:fillRect/>
+          </a:stretch>
+        </p:blipFill>
+        <p:spPr>
+          <a:xfrm>
+            <a:off x="157163" y="865762"/>
+            <a:ext cx="11472862" cy="5435025"/>
+          </a:xfrm>
+          <a:prstGeom prst="rect">
+            <a:avLst/>
+          </a:prstGeom>
+        </p:spPr>
+      </p:pic>
+    </p:spTree>
+    <p:extLst>
+      <p:ext uri="{BB962C8B-B14F-4D97-AF65-F5344CB8AC3E}">
+        <p14:creationId xmlns:p14="http://schemas.microsoft.com/office/powerpoint/2010/main" val="3526905984"/>
+      </p:ext>
+    </p:extLst>
+  </p:cSld>
+  <p:clrMapOvr>
+    <a:masterClrMapping/>
+  </p:clrMapOvr>
+</p:sld>
+</file>
+
+<file path=ppt/slides/slide31.xml><?xml version="1.0" encoding="utf-8"?>
+<p:sld xmlns:a="http://schemas.openxmlformats.org/drawingml/2006/main" xmlns:r="http://schemas.openxmlformats.org/officeDocument/2006/relationships" xmlns:p="http://schemas.openxmlformats.org/presentationml/2006/main">
+  <p:cSld>
+    <p:spTree>
+      <p:nvGrpSpPr>
+        <p:cNvPr id="1" name=""/>
+        <p:cNvGrpSpPr/>
+        <p:nvPr/>
+      </p:nvGrpSpPr>
+      <p:grpSpPr>
+        <a:xfrm>
+          <a:off x="0" y="0"/>
+          <a:ext cx="0" cy="0"/>
+          <a:chOff x="0" y="0"/>
+          <a:chExt cx="0" cy="0"/>
+        </a:xfrm>
+      </p:grpSpPr>
+      <p:sp>
+        <p:nvSpPr>
+          <p:cNvPr id="8" name="Title 1">
+            <a:extLst>
+              <a:ext uri="{FF2B5EF4-FFF2-40B4-BE49-F238E27FC236}">
+                <a16:creationId xmlns:a16="http://schemas.microsoft.com/office/drawing/2014/main" id="{D67540AF-DFB1-4811-BA33-D6DD37D9FE1B}"/>
+              </a:ext>
+            </a:extLst>
+          </p:cNvPr>
+          <p:cNvSpPr>
+            <a:spLocks noGrp="1"/>
+          </p:cNvSpPr>
+          <p:nvPr>
+            <p:ph type="title"/>
+          </p:nvPr>
+        </p:nvSpPr>
+        <p:spPr>
+          <a:xfrm>
+            <a:off x="3618688" y="286603"/>
+            <a:ext cx="5155661" cy="579159"/>
+          </a:xfrm>
+        </p:spPr>
+        <p:txBody>
+          <a:bodyPr>
+            <a:normAutofit/>
+          </a:bodyPr>
+          <a:lstStyle/>
+          <a:p>
+            <a:r>
+              <a:rPr lang="en-US" sz="2400" dirty="0"/>
+              <a:t>ETHEREUM </a:t>
+            </a:r>
+            <a:r>
+              <a:rPr lang="en-US" sz="1800" dirty="0"/>
+              <a:t>Slide 10</a:t>
             </a:r>
           </a:p>
         </p:txBody>
@@ -10746,7 +10885,7 @@
 </p:sld>
 </file>
 
-<file path=ppt/slides/slide31.xml><?xml version="1.0" encoding="utf-8"?>
+<file path=ppt/slides/slide32.xml><?xml version="1.0" encoding="utf-8"?>
 <p:sld xmlns:a="http://schemas.openxmlformats.org/drawingml/2006/main" xmlns:r="http://schemas.openxmlformats.org/officeDocument/2006/relationships" xmlns:p="http://schemas.openxmlformats.org/presentationml/2006/main">
   <p:cSld>
     <p:spTree>
@@ -10867,7 +11006,7 @@
 </p:sld>
 </file>
 
-<file path=ppt/slides/slide32.xml><?xml version="1.0" encoding="utf-8"?>
+<file path=ppt/slides/slide33.xml><?xml version="1.0" encoding="utf-8"?>
 <p:sld xmlns:a="http://schemas.openxmlformats.org/drawingml/2006/main" xmlns:r="http://schemas.openxmlformats.org/officeDocument/2006/relationships" xmlns:p="http://schemas.openxmlformats.org/presentationml/2006/main">
   <p:cSld>
     <p:spTree>
@@ -11455,7 +11594,7 @@
 </p:sld>
 </file>
 
-<file path=ppt/slides/slide33.xml><?xml version="1.0" encoding="utf-8"?>
+<file path=ppt/slides/slide34.xml><?xml version="1.0" encoding="utf-8"?>
 <p:sld xmlns:a="http://schemas.openxmlformats.org/drawingml/2006/main" xmlns:r="http://schemas.openxmlformats.org/officeDocument/2006/relationships" xmlns:p="http://schemas.openxmlformats.org/presentationml/2006/main">
   <p:cSld>
     <p:spTree>
@@ -12043,6 +12182,101 @@
       </p:grpSpPr>
       <p:sp>
         <p:nvSpPr>
+          <p:cNvPr id="2" name="Title 1">
+            <a:extLst>
+              <a:ext uri="{FF2B5EF4-FFF2-40B4-BE49-F238E27FC236}">
+                <a16:creationId xmlns:a16="http://schemas.microsoft.com/office/drawing/2014/main" id="{BCE7C3AF-1D9B-4679-B161-ED518E6AF16E}"/>
+              </a:ext>
+            </a:extLst>
+          </p:cNvPr>
+          <p:cNvSpPr>
+            <a:spLocks noGrp="1"/>
+          </p:cNvSpPr>
+          <p:nvPr>
+            <p:ph type="title"/>
+          </p:nvPr>
+        </p:nvSpPr>
+        <p:spPr>
+          <a:xfrm>
+            <a:off x="1097280" y="286604"/>
+            <a:ext cx="10058400" cy="713858"/>
+          </a:xfrm>
+        </p:spPr>
+        <p:txBody>
+          <a:bodyPr>
+            <a:normAutofit/>
+          </a:bodyPr>
+          <a:lstStyle/>
+          <a:p>
+            <a:r>
+              <a:rPr lang="en-US" sz="2400" dirty="0"/>
+              <a:t>REMIX IDE: Use of Solidity, REMIX IDE for ERC20 Token Minting</a:t>
+            </a:r>
+          </a:p>
+        </p:txBody>
+      </p:sp>
+      <p:pic>
+        <p:nvPicPr>
+          <p:cNvPr id="4" name="Picture 3">
+            <a:extLst>
+              <a:ext uri="{FF2B5EF4-FFF2-40B4-BE49-F238E27FC236}">
+                <a16:creationId xmlns:a16="http://schemas.microsoft.com/office/drawing/2014/main" id="{455008EC-6942-4301-A9B0-D44A2310E6A8}"/>
+              </a:ext>
+            </a:extLst>
+          </p:cNvPr>
+          <p:cNvPicPr>
+            <a:picLocks noChangeAspect="1"/>
+          </p:cNvPicPr>
+          <p:nvPr/>
+        </p:nvPicPr>
+        <p:blipFill>
+          <a:blip r:embed="rId2"/>
+          <a:stretch>
+            <a:fillRect/>
+          </a:stretch>
+        </p:blipFill>
+        <p:spPr>
+          <a:xfrm>
+            <a:off x="355002" y="1549101"/>
+            <a:ext cx="11510683" cy="4066391"/>
+          </a:xfrm>
+          <a:prstGeom prst="rect">
+            <a:avLst/>
+          </a:prstGeom>
+        </p:spPr>
+      </p:pic>
+    </p:spTree>
+    <p:extLst>
+      <p:ext uri="{BB962C8B-B14F-4D97-AF65-F5344CB8AC3E}">
+        <p14:creationId xmlns:p14="http://schemas.microsoft.com/office/powerpoint/2010/main" val="2605372074"/>
+      </p:ext>
+    </p:extLst>
+  </p:cSld>
+  <p:clrMapOvr>
+    <a:masterClrMapping/>
+  </p:clrMapOvr>
+</p:sld>
+</file>
+
+<file path=ppt/slides/slide5.xml><?xml version="1.0" encoding="utf-8"?>
+<p:sld xmlns:a="http://schemas.openxmlformats.org/drawingml/2006/main" xmlns:r="http://schemas.openxmlformats.org/officeDocument/2006/relationships" xmlns:p="http://schemas.openxmlformats.org/presentationml/2006/main">
+  <p:cSld>
+    <p:spTree>
+      <p:nvGrpSpPr>
+        <p:cNvPr id="1" name=""/>
+        <p:cNvGrpSpPr/>
+        <p:nvPr/>
+      </p:nvGrpSpPr>
+      <p:grpSpPr>
+        <a:xfrm>
+          <a:off x="0" y="0"/>
+          <a:ext cx="0" cy="0"/>
+          <a:chOff x="0" y="0"/>
+          <a:chExt cx="0" cy="0"/>
+        </a:xfrm>
+      </p:grpSpPr>
+      <p:sp>
+        <p:nvSpPr>
           <p:cNvPr id="8" name="Title 1">
             <a:extLst>
               <a:ext uri="{FF2B5EF4-FFF2-40B4-BE49-F238E27FC236}">
@@ -12070,7 +12304,7 @@
           <a:lstStyle/>
           <a:p>
             <a:r>
-              <a:rPr lang="en-US" sz="2000" dirty="0"/>
+              <a:rPr lang="en-US" sz="2400" dirty="0"/>
               <a:t>Machine Learning </a:t>
             </a:r>
             <a:r>
@@ -12123,7 +12357,7 @@
 </p:sld>
 </file>
 
-<file path=ppt/slides/slide5.xml><?xml version="1.0" encoding="utf-8"?>
+<file path=ppt/slides/slide6.xml><?xml version="1.0" encoding="utf-8"?>
 <p:sld xmlns:a="http://schemas.openxmlformats.org/drawingml/2006/main" xmlns:r="http://schemas.openxmlformats.org/officeDocument/2006/relationships" xmlns:p="http://schemas.openxmlformats.org/presentationml/2006/main">
   <p:cSld>
     <p:spTree>
@@ -12169,7 +12403,7 @@
           <a:lstStyle/>
           <a:p>
             <a:r>
-              <a:rPr lang="en-US" sz="2000" dirty="0"/>
+              <a:rPr lang="en-US" sz="2400" dirty="0"/>
               <a:t>Machine Learning </a:t>
             </a:r>
             <a:r>
@@ -12222,7 +12456,7 @@
 </p:sld>
 </file>
 
-<file path=ppt/slides/slide6.xml><?xml version="1.0" encoding="utf-8"?>
+<file path=ppt/slides/slide7.xml><?xml version="1.0" encoding="utf-8"?>
 <p:sld xmlns:a="http://schemas.openxmlformats.org/drawingml/2006/main" xmlns:r="http://schemas.openxmlformats.org/officeDocument/2006/relationships" xmlns:p="http://schemas.openxmlformats.org/presentationml/2006/main">
   <p:cSld>
     <p:spTree>
@@ -12268,7 +12502,7 @@
           <a:lstStyle/>
           <a:p>
             <a:r>
-              <a:rPr lang="en-US" sz="2000" dirty="0"/>
+              <a:rPr lang="en-US" sz="2400" dirty="0"/>
               <a:t>Machine Learning </a:t>
             </a:r>
             <a:r>
@@ -12321,7 +12555,7 @@
 </p:sld>
 </file>
 
-<file path=ppt/slides/slide7.xml><?xml version="1.0" encoding="utf-8"?>
+<file path=ppt/slides/slide8.xml><?xml version="1.0" encoding="utf-8"?>
 <p:sld xmlns:a="http://schemas.openxmlformats.org/drawingml/2006/main" xmlns:r="http://schemas.openxmlformats.org/officeDocument/2006/relationships" xmlns:p="http://schemas.openxmlformats.org/presentationml/2006/main">
   <p:cSld>
     <p:spTree>
@@ -12367,7 +12601,7 @@
           <a:lstStyle/>
           <a:p>
             <a:r>
-              <a:rPr lang="en-US" sz="2000" dirty="0"/>
+              <a:rPr lang="en-US" sz="2400" dirty="0"/>
               <a:t>Machine Learning </a:t>
             </a:r>
             <a:r>
@@ -12420,7 +12654,7 @@
 </p:sld>
 </file>
 
-<file path=ppt/slides/slide8.xml><?xml version="1.0" encoding="utf-8"?>
+<file path=ppt/slides/slide9.xml><?xml version="1.0" encoding="utf-8"?>
 <p:sld xmlns:a="http://schemas.openxmlformats.org/drawingml/2006/main" xmlns:r="http://schemas.openxmlformats.org/officeDocument/2006/relationships" xmlns:p="http://schemas.openxmlformats.org/presentationml/2006/main">
   <p:cSld>
     <p:spTree>
@@ -12466,7 +12700,7 @@
           <a:lstStyle/>
           <a:p>
             <a:r>
-              <a:rPr lang="en-US" sz="2000" dirty="0"/>
+              <a:rPr lang="en-US" sz="2400" dirty="0"/>
               <a:t>Machine Learning </a:t>
             </a:r>
             <a:r>
@@ -12510,105 +12744,6 @@
     <p:extLst>
       <p:ext uri="{BB962C8B-B14F-4D97-AF65-F5344CB8AC3E}">
         <p14:creationId xmlns:p14="http://schemas.microsoft.com/office/powerpoint/2010/main" val="122945030"/>
-      </p:ext>
-    </p:extLst>
-  </p:cSld>
-  <p:clrMapOvr>
-    <a:masterClrMapping/>
-  </p:clrMapOvr>
-</p:sld>
-</file>
-
-<file path=ppt/slides/slide9.xml><?xml version="1.0" encoding="utf-8"?>
-<p:sld xmlns:a="http://schemas.openxmlformats.org/drawingml/2006/main" xmlns:r="http://schemas.openxmlformats.org/officeDocument/2006/relationships" xmlns:p="http://schemas.openxmlformats.org/presentationml/2006/main">
-  <p:cSld>
-    <p:spTree>
-      <p:nvGrpSpPr>
-        <p:cNvPr id="1" name=""/>
-        <p:cNvGrpSpPr/>
-        <p:nvPr/>
-      </p:nvGrpSpPr>
-      <p:grpSpPr>
-        <a:xfrm>
-          <a:off x="0" y="0"/>
-          <a:ext cx="0" cy="0"/>
-          <a:chOff x="0" y="0"/>
-          <a:chExt cx="0" cy="0"/>
-        </a:xfrm>
-      </p:grpSpPr>
-      <p:sp>
-        <p:nvSpPr>
-          <p:cNvPr id="8" name="Title 1">
-            <a:extLst>
-              <a:ext uri="{FF2B5EF4-FFF2-40B4-BE49-F238E27FC236}">
-                <a16:creationId xmlns:a16="http://schemas.microsoft.com/office/drawing/2014/main" id="{D67540AF-DFB1-4811-BA33-D6DD37D9FE1B}"/>
-              </a:ext>
-            </a:extLst>
-          </p:cNvPr>
-          <p:cNvSpPr>
-            <a:spLocks noGrp="1"/>
-          </p:cNvSpPr>
-          <p:nvPr>
-            <p:ph type="title"/>
-          </p:nvPr>
-        </p:nvSpPr>
-        <p:spPr>
-          <a:xfrm>
-            <a:off x="3618688" y="286603"/>
-            <a:ext cx="5155661" cy="579159"/>
-          </a:xfrm>
-        </p:spPr>
-        <p:txBody>
-          <a:bodyPr>
-            <a:normAutofit/>
-          </a:bodyPr>
-          <a:lstStyle/>
-          <a:p>
-            <a:r>
-              <a:rPr lang="en-US" sz="2000" dirty="0"/>
-              <a:t>Machine Learning </a:t>
-            </a:r>
-            <a:r>
-              <a:rPr lang="en-US" sz="1800" dirty="0"/>
-              <a:t>Slide 6</a:t>
-            </a:r>
-          </a:p>
-        </p:txBody>
-      </p:sp>
-      <p:pic>
-        <p:nvPicPr>
-          <p:cNvPr id="3" name="Picture 2">
-            <a:extLst>
-              <a:ext uri="{FF2B5EF4-FFF2-40B4-BE49-F238E27FC236}">
-                <a16:creationId xmlns:a16="http://schemas.microsoft.com/office/drawing/2014/main" id="{705C0C8C-B1BD-417D-839B-B9BAE963E067}"/>
-              </a:ext>
-            </a:extLst>
-          </p:cNvPr>
-          <p:cNvPicPr>
-            <a:picLocks noChangeAspect="1"/>
-          </p:cNvPicPr>
-          <p:nvPr/>
-        </p:nvPicPr>
-        <p:blipFill>
-          <a:blip r:embed="rId3"/>
-          <a:stretch>
-            <a:fillRect/>
-          </a:stretch>
-        </p:blipFill>
-        <p:spPr>
-          <a:xfrm>
-            <a:off x="558800" y="1005840"/>
-            <a:ext cx="10637520" cy="5354320"/>
-          </a:xfrm>
-          <a:prstGeom prst="rect">
-            <a:avLst/>
-          </a:prstGeom>
-        </p:spPr>
-      </p:pic>
-    </p:spTree>
-    <p:extLst>
-      <p:ext uri="{BB962C8B-B14F-4D97-AF65-F5344CB8AC3E}">
-        <p14:creationId xmlns:p14="http://schemas.microsoft.com/office/powerpoint/2010/main" val="1989955244"/>
       </p:ext>
     </p:extLst>
   </p:cSld>
